--- a/Speed Control of DC Motor Using Artificial Neural.pptx
+++ b/Speed Control of DC Motor Using Artificial Neural.pptx
@@ -11760,10 +11760,10 @@
       </p:sp>
       <p:pic>
         <p:nvPicPr>
-          <p:cNvPr id="13" name="Picture 12">
+          <p:cNvPr id="15" name="Picture 14">
             <a:extLst>
               <a:ext uri="{FF2B5EF4-FFF2-40B4-BE49-F238E27FC236}">
-                <a16:creationId xmlns:a16="http://schemas.microsoft.com/office/drawing/2014/main" id="{EA9FECF7-62CE-87C0-84A2-1F1A9D69FC4F}"/>
+                <a16:creationId xmlns:a16="http://schemas.microsoft.com/office/drawing/2014/main" id="{BDCEABF5-782B-ACFB-C4D4-2B03DB906726}"/>
               </a:ext>
             </a:extLst>
           </p:cNvPr>
@@ -11786,12 +11786,12 @@
         </p:blipFill>
         <p:spPr>
           <a:xfrm>
-            <a:off x="-5966444" y="861401"/>
-            <a:ext cx="5297702" cy="5920047"/>
+            <a:off x="-5956956" y="673820"/>
+            <a:ext cx="5075901" cy="6197119"/>
           </a:xfrm>
           <a:prstGeom prst="roundRect">
             <a:avLst>
-              <a:gd name="adj" fmla="val 3021"/>
+              <a:gd name="adj" fmla="val 6362"/>
             </a:avLst>
           </a:prstGeom>
           <a:solidFill>
@@ -12541,55 +12541,6 @@
           </a:p>
         </p:txBody>
       </p:sp>
-      <p:pic>
-        <p:nvPicPr>
-          <p:cNvPr id="13" name="Picture 12">
-            <a:extLst>
-              <a:ext uri="{FF2B5EF4-FFF2-40B4-BE49-F238E27FC236}">
-                <a16:creationId xmlns:a16="http://schemas.microsoft.com/office/drawing/2014/main" id="{BE1448A6-332D-CA6F-FE02-C525DAD65CF7}"/>
-              </a:ext>
-            </a:extLst>
-          </p:cNvPr>
-          <p:cNvPicPr>
-            <a:picLocks noChangeAspect="1"/>
-          </p:cNvPicPr>
-          <p:nvPr/>
-        </p:nvPicPr>
-        <p:blipFill>
-          <a:blip r:embed="rId5">
-            <a:extLst>
-              <a:ext uri="{28A0092B-C50C-407E-A947-70E740481C1C}">
-                <a14:useLocalDpi xmlns:a14="http://schemas.microsoft.com/office/drawing/2010/main" val="0"/>
-              </a:ext>
-            </a:extLst>
-          </a:blip>
-          <a:stretch>
-            <a:fillRect/>
-          </a:stretch>
-        </p:blipFill>
-        <p:spPr>
-          <a:xfrm>
-            <a:off x="3447148" y="727068"/>
-            <a:ext cx="5297702" cy="5920047"/>
-          </a:xfrm>
-          <a:prstGeom prst="roundRect">
-            <a:avLst>
-              <a:gd name="adj" fmla="val 3021"/>
-            </a:avLst>
-          </a:prstGeom>
-          <a:solidFill>
-            <a:srgbClr val="FFFFFF">
-              <a:shade val="85000"/>
-            </a:srgbClr>
-          </a:solidFill>
-          <a:ln>
-            <a:noFill/>
-          </a:ln>
-          <a:effectLst>
-            <a:reflection blurRad="12700" stA="38000" endPos="28000" dist="5000" dir="5400000" sy="-100000" algn="bl" rotWithShape="0"/>
-          </a:effectLst>
-        </p:spPr>
-      </p:pic>
       <p:sp>
         <p:nvSpPr>
           <p:cNvPr id="12" name="TextBox 11">
@@ -12865,6 +12816,55 @@
           </a:p>
         </p:txBody>
       </p:sp>
+      <p:pic>
+        <p:nvPicPr>
+          <p:cNvPr id="14" name="Picture 13">
+            <a:extLst>
+              <a:ext uri="{FF2B5EF4-FFF2-40B4-BE49-F238E27FC236}">
+                <a16:creationId xmlns:a16="http://schemas.microsoft.com/office/drawing/2014/main" id="{D3B7AF65-FA86-D21B-DA4B-263592AD4E1C}"/>
+              </a:ext>
+            </a:extLst>
+          </p:cNvPr>
+          <p:cNvPicPr>
+            <a:picLocks noChangeAspect="1"/>
+          </p:cNvPicPr>
+          <p:nvPr/>
+        </p:nvPicPr>
+        <p:blipFill>
+          <a:blip r:embed="rId5">
+            <a:extLst>
+              <a:ext uri="{28A0092B-C50C-407E-A947-70E740481C1C}">
+                <a14:useLocalDpi xmlns:a14="http://schemas.microsoft.com/office/drawing/2010/main" val="0"/>
+              </a:ext>
+            </a:extLst>
+          </a:blip>
+          <a:stretch>
+            <a:fillRect/>
+          </a:stretch>
+        </p:blipFill>
+        <p:spPr>
+          <a:xfrm>
+            <a:off x="3730253" y="619853"/>
+            <a:ext cx="4731491" cy="5776633"/>
+          </a:xfrm>
+          <a:prstGeom prst="roundRect">
+            <a:avLst>
+              <a:gd name="adj" fmla="val 4352"/>
+            </a:avLst>
+          </a:prstGeom>
+          <a:solidFill>
+            <a:srgbClr val="FFFFFF">
+              <a:shade val="85000"/>
+            </a:srgbClr>
+          </a:solidFill>
+          <a:ln>
+            <a:noFill/>
+          </a:ln>
+          <a:effectLst>
+            <a:reflection blurRad="12700" stA="38000" endPos="28000" dist="5000" dir="5400000" sy="-100000" algn="bl" rotWithShape="0"/>
+          </a:effectLst>
+        </p:spPr>
+      </p:pic>
     </p:spTree>
     <p:extLst>
       <p:ext uri="{BB962C8B-B14F-4D97-AF65-F5344CB8AC3E}">
@@ -13599,55 +13599,6 @@
           </a:p>
         </p:txBody>
       </p:sp>
-      <p:pic>
-        <p:nvPicPr>
-          <p:cNvPr id="13" name="Picture 12">
-            <a:extLst>
-              <a:ext uri="{FF2B5EF4-FFF2-40B4-BE49-F238E27FC236}">
-                <a16:creationId xmlns:a16="http://schemas.microsoft.com/office/drawing/2014/main" id="{1400E92F-9B50-22A9-BA8E-B64ABAC233EE}"/>
-              </a:ext>
-            </a:extLst>
-          </p:cNvPr>
-          <p:cNvPicPr>
-            <a:picLocks noChangeAspect="1"/>
-          </p:cNvPicPr>
-          <p:nvPr/>
-        </p:nvPicPr>
-        <p:blipFill>
-          <a:blip r:embed="rId5">
-            <a:extLst>
-              <a:ext uri="{28A0092B-C50C-407E-A947-70E740481C1C}">
-                <a14:useLocalDpi xmlns:a14="http://schemas.microsoft.com/office/drawing/2010/main" val="0"/>
-              </a:ext>
-            </a:extLst>
-          </a:blip>
-          <a:stretch>
-            <a:fillRect/>
-          </a:stretch>
-        </p:blipFill>
-        <p:spPr>
-          <a:xfrm>
-            <a:off x="15487691" y="61213"/>
-            <a:ext cx="5297702" cy="5920047"/>
-          </a:xfrm>
-          <a:prstGeom prst="roundRect">
-            <a:avLst>
-              <a:gd name="adj" fmla="val 3021"/>
-            </a:avLst>
-          </a:prstGeom>
-          <a:solidFill>
-            <a:srgbClr val="FFFFFF">
-              <a:shade val="85000"/>
-            </a:srgbClr>
-          </a:solidFill>
-          <a:ln>
-            <a:noFill/>
-          </a:ln>
-          <a:effectLst>
-            <a:reflection blurRad="12700" stA="38000" endPos="28000" dist="5000" dir="5400000" sy="-100000" algn="bl" rotWithShape="0"/>
-          </a:effectLst>
-        </p:spPr>
-      </p:pic>
       <p:sp>
         <p:nvSpPr>
           <p:cNvPr id="12" name="TextBox 11">
@@ -15364,6 +15315,55 @@
           </p:cxnSp>
         </p:grpSp>
       </p:grpSp>
+      <p:pic>
+        <p:nvPicPr>
+          <p:cNvPr id="25" name="Picture 24">
+            <a:extLst>
+              <a:ext uri="{FF2B5EF4-FFF2-40B4-BE49-F238E27FC236}">
+                <a16:creationId xmlns:a16="http://schemas.microsoft.com/office/drawing/2014/main" id="{FAAA19FB-8847-7404-E582-046834634015}"/>
+              </a:ext>
+            </a:extLst>
+          </p:cNvPr>
+          <p:cNvPicPr>
+            <a:picLocks noChangeAspect="1"/>
+          </p:cNvPicPr>
+          <p:nvPr/>
+        </p:nvPicPr>
+        <p:blipFill>
+          <a:blip r:embed="rId5">
+            <a:extLst>
+              <a:ext uri="{28A0092B-C50C-407E-A947-70E740481C1C}">
+                <a14:useLocalDpi xmlns:a14="http://schemas.microsoft.com/office/drawing/2010/main" val="0"/>
+              </a:ext>
+            </a:extLst>
+          </a:blip>
+          <a:stretch>
+            <a:fillRect/>
+          </a:stretch>
+        </p:blipFill>
+        <p:spPr>
+          <a:xfrm>
+            <a:off x="15800038" y="649097"/>
+            <a:ext cx="4949414" cy="6042693"/>
+          </a:xfrm>
+          <a:prstGeom prst="roundRect">
+            <a:avLst>
+              <a:gd name="adj" fmla="val 4756"/>
+            </a:avLst>
+          </a:prstGeom>
+          <a:solidFill>
+            <a:srgbClr val="FFFFFF">
+              <a:shade val="85000"/>
+            </a:srgbClr>
+          </a:solidFill>
+          <a:ln>
+            <a:noFill/>
+          </a:ln>
+          <a:effectLst>
+            <a:reflection blurRad="12700" stA="38000" endPos="28000" dist="5000" dir="5400000" sy="-100000" algn="bl" rotWithShape="0"/>
+          </a:effectLst>
+        </p:spPr>
+      </p:pic>
     </p:spTree>
     <p:extLst>
       <p:ext uri="{BB962C8B-B14F-4D97-AF65-F5344CB8AC3E}">
